--- a/images/theory_analysis/MySQL_Buffer_Pool_Redo_Log_Log_Buffer/MySQL_Buffer_Pool_Redo_Log_Log_Buffer.pptx
+++ b/images/theory_analysis/MySQL_Buffer_Pool_Redo_Log_Log_Buffer/MySQL_Buffer_Pool_Redo_Log_Log_Buffer.pptx
@@ -214,7 +214,7 @@
           <a:p>
             <a:fld id="{6CD5550B-26C4-49A9-A5BA-636EF7BE6CE9}" type="datetimeFigureOut">
               <a:rPr lang="ko-KR" altLang="en-US" smtClean="0"/>
-              <a:t>2019-01-13</a:t>
+              <a:t>2022-02-11</a:t>
             </a:fld>
             <a:endParaRPr lang="ko-KR" altLang="en-US"/>
           </a:p>
@@ -828,7 +828,7 @@
           <a:p>
             <a:fld id="{FB30EDBD-1C2D-4C1E-B459-B60219FAB484}" type="datetimeFigureOut">
               <a:rPr lang="ko-KR" altLang="en-US" smtClean="0"/>
-              <a:t>2019-01-13</a:t>
+              <a:t>2022-02-11</a:t>
             </a:fld>
             <a:endParaRPr lang="ko-KR" altLang="en-US"/>
           </a:p>
@@ -991,7 +991,7 @@
           <a:p>
             <a:fld id="{FB30EDBD-1C2D-4C1E-B459-B60219FAB484}" type="datetimeFigureOut">
               <a:rPr lang="ko-KR" altLang="en-US" smtClean="0"/>
-              <a:t>2019-01-13</a:t>
+              <a:t>2022-02-11</a:t>
             </a:fld>
             <a:endParaRPr lang="ko-KR" altLang="en-US"/>
           </a:p>
@@ -1164,7 +1164,7 @@
           <a:p>
             <a:fld id="{FB30EDBD-1C2D-4C1E-B459-B60219FAB484}" type="datetimeFigureOut">
               <a:rPr lang="ko-KR" altLang="en-US" smtClean="0"/>
-              <a:t>2019-01-13</a:t>
+              <a:t>2022-02-11</a:t>
             </a:fld>
             <a:endParaRPr lang="ko-KR" altLang="en-US"/>
           </a:p>
@@ -1327,7 +1327,7 @@
           <a:p>
             <a:fld id="{FB30EDBD-1C2D-4C1E-B459-B60219FAB484}" type="datetimeFigureOut">
               <a:rPr lang="ko-KR" altLang="en-US" smtClean="0"/>
-              <a:t>2019-01-13</a:t>
+              <a:t>2022-02-11</a:t>
             </a:fld>
             <a:endParaRPr lang="ko-KR" altLang="en-US"/>
           </a:p>
@@ -1567,7 +1567,7 @@
           <a:p>
             <a:fld id="{FB30EDBD-1C2D-4C1E-B459-B60219FAB484}" type="datetimeFigureOut">
               <a:rPr lang="ko-KR" altLang="en-US" smtClean="0"/>
-              <a:t>2019-01-13</a:t>
+              <a:t>2022-02-11</a:t>
             </a:fld>
             <a:endParaRPr lang="ko-KR" altLang="en-US"/>
           </a:p>
@@ -1847,7 +1847,7 @@
           <a:p>
             <a:fld id="{FB30EDBD-1C2D-4C1E-B459-B60219FAB484}" type="datetimeFigureOut">
               <a:rPr lang="ko-KR" altLang="en-US" smtClean="0"/>
-              <a:t>2019-01-13</a:t>
+              <a:t>2022-02-11</a:t>
             </a:fld>
             <a:endParaRPr lang="ko-KR" altLang="en-US"/>
           </a:p>
@@ -2261,7 +2261,7 @@
           <a:p>
             <a:fld id="{FB30EDBD-1C2D-4C1E-B459-B60219FAB484}" type="datetimeFigureOut">
               <a:rPr lang="ko-KR" altLang="en-US" smtClean="0"/>
-              <a:t>2019-01-13</a:t>
+              <a:t>2022-02-11</a:t>
             </a:fld>
             <a:endParaRPr lang="ko-KR" altLang="en-US"/>
           </a:p>
@@ -2373,7 +2373,7 @@
           <a:p>
             <a:fld id="{FB30EDBD-1C2D-4C1E-B459-B60219FAB484}" type="datetimeFigureOut">
               <a:rPr lang="ko-KR" altLang="en-US" smtClean="0"/>
-              <a:t>2019-01-13</a:t>
+              <a:t>2022-02-11</a:t>
             </a:fld>
             <a:endParaRPr lang="ko-KR" altLang="en-US"/>
           </a:p>
@@ -2463,7 +2463,7 @@
           <a:p>
             <a:fld id="{FB30EDBD-1C2D-4C1E-B459-B60219FAB484}" type="datetimeFigureOut">
               <a:rPr lang="ko-KR" altLang="en-US" smtClean="0"/>
-              <a:t>2019-01-13</a:t>
+              <a:t>2022-02-11</a:t>
             </a:fld>
             <a:endParaRPr lang="ko-KR" altLang="en-US"/>
           </a:p>
@@ -2733,7 +2733,7 @@
           <a:p>
             <a:fld id="{FB30EDBD-1C2D-4C1E-B459-B60219FAB484}" type="datetimeFigureOut">
               <a:rPr lang="ko-KR" altLang="en-US" smtClean="0"/>
-              <a:t>2019-01-13</a:t>
+              <a:t>2022-02-11</a:t>
             </a:fld>
             <a:endParaRPr lang="ko-KR" altLang="en-US"/>
           </a:p>
@@ -2980,7 +2980,7 @@
           <a:p>
             <a:fld id="{FB30EDBD-1C2D-4C1E-B459-B60219FAB484}" type="datetimeFigureOut">
               <a:rPr lang="ko-KR" altLang="en-US" smtClean="0"/>
-              <a:t>2019-01-13</a:t>
+              <a:t>2022-02-11</a:t>
             </a:fld>
             <a:endParaRPr lang="ko-KR" altLang="en-US"/>
           </a:p>
@@ -3186,7 +3186,7 @@
           <a:p>
             <a:fld id="{FB30EDBD-1C2D-4C1E-B459-B60219FAB484}" type="datetimeFigureOut">
               <a:rPr lang="ko-KR" altLang="en-US" smtClean="0"/>
-              <a:t>2019-01-13</a:t>
+              <a:t>2022-02-11</a:t>
             </a:fld>
             <a:endParaRPr lang="ko-KR" altLang="en-US"/>
           </a:p>
@@ -4167,7 +4167,15 @@
             <a:pPr algn="ctr"/>
             <a:r>
               <a:rPr lang="en-US" altLang="ko-KR" sz="1600"/>
-              <a:t>Log Buffer</a:t>
+              <a:t>Buffer</a:t>
+            </a:r>
+            <a:r>
+              <a:rPr lang="ko-KR" altLang="en-US" sz="1600"/>
+              <a:t> </a:t>
+            </a:r>
+            <a:r>
+              <a:rPr lang="en-US" altLang="ko-KR" sz="1600"/>
+              <a:t>Pool</a:t>
             </a:r>
             <a:endParaRPr lang="ko-KR" altLang="en-US" sz="1600"/>
           </a:p>
